--- a/table_s_1_8f.pptx
+++ b/table_s_1_8f.pptx
@@ -243,7 +243,7 @@
           <a:p>
             <a:fld id="{9E99647D-1C99-4C31-AAA6-6EEC540FEA86}" type="datetimeFigureOut">
               <a:rPr lang="en-US" smtClean="0"/>
-              <a:t>2/19/2023</a:t>
+              <a:t>5/12/2023</a:t>
             </a:fld>
             <a:endParaRPr lang="en-US"/>
           </a:p>
@@ -413,7 +413,7 @@
           <a:p>
             <a:fld id="{9E99647D-1C99-4C31-AAA6-6EEC540FEA86}" type="datetimeFigureOut">
               <a:rPr lang="en-US" smtClean="0"/>
-              <a:t>2/19/2023</a:t>
+              <a:t>5/12/2023</a:t>
             </a:fld>
             <a:endParaRPr lang="en-US"/>
           </a:p>
@@ -593,7 +593,7 @@
           <a:p>
             <a:fld id="{9E99647D-1C99-4C31-AAA6-6EEC540FEA86}" type="datetimeFigureOut">
               <a:rPr lang="en-US" smtClean="0"/>
-              <a:t>2/19/2023</a:t>
+              <a:t>5/12/2023</a:t>
             </a:fld>
             <a:endParaRPr lang="en-US"/>
           </a:p>
@@ -763,7 +763,7 @@
           <a:p>
             <a:fld id="{9E99647D-1C99-4C31-AAA6-6EEC540FEA86}" type="datetimeFigureOut">
               <a:rPr lang="en-US" smtClean="0"/>
-              <a:t>2/19/2023</a:t>
+              <a:t>5/12/2023</a:t>
             </a:fld>
             <a:endParaRPr lang="en-US"/>
           </a:p>
@@ -1009,7 +1009,7 @@
           <a:p>
             <a:fld id="{9E99647D-1C99-4C31-AAA6-6EEC540FEA86}" type="datetimeFigureOut">
               <a:rPr lang="en-US" smtClean="0"/>
-              <a:t>2/19/2023</a:t>
+              <a:t>5/12/2023</a:t>
             </a:fld>
             <a:endParaRPr lang="en-US"/>
           </a:p>
@@ -1241,7 +1241,7 @@
           <a:p>
             <a:fld id="{9E99647D-1C99-4C31-AAA6-6EEC540FEA86}" type="datetimeFigureOut">
               <a:rPr lang="en-US" smtClean="0"/>
-              <a:t>2/19/2023</a:t>
+              <a:t>5/12/2023</a:t>
             </a:fld>
             <a:endParaRPr lang="en-US"/>
           </a:p>
@@ -1608,7 +1608,7 @@
           <a:p>
             <a:fld id="{9E99647D-1C99-4C31-AAA6-6EEC540FEA86}" type="datetimeFigureOut">
               <a:rPr lang="en-US" smtClean="0"/>
-              <a:t>2/19/2023</a:t>
+              <a:t>5/12/2023</a:t>
             </a:fld>
             <a:endParaRPr lang="en-US"/>
           </a:p>
@@ -1726,7 +1726,7 @@
           <a:p>
             <a:fld id="{9E99647D-1C99-4C31-AAA6-6EEC540FEA86}" type="datetimeFigureOut">
               <a:rPr lang="en-US" smtClean="0"/>
-              <a:t>2/19/2023</a:t>
+              <a:t>5/12/2023</a:t>
             </a:fld>
             <a:endParaRPr lang="en-US"/>
           </a:p>
@@ -1821,7 +1821,7 @@
           <a:p>
             <a:fld id="{9E99647D-1C99-4C31-AAA6-6EEC540FEA86}" type="datetimeFigureOut">
               <a:rPr lang="en-US" smtClean="0"/>
-              <a:t>2/19/2023</a:t>
+              <a:t>5/12/2023</a:t>
             </a:fld>
             <a:endParaRPr lang="en-US"/>
           </a:p>
@@ -2098,7 +2098,7 @@
           <a:p>
             <a:fld id="{9E99647D-1C99-4C31-AAA6-6EEC540FEA86}" type="datetimeFigureOut">
               <a:rPr lang="en-US" smtClean="0"/>
-              <a:t>2/19/2023</a:t>
+              <a:t>5/12/2023</a:t>
             </a:fld>
             <a:endParaRPr lang="en-US"/>
           </a:p>
@@ -2355,7 +2355,7 @@
           <a:p>
             <a:fld id="{9E99647D-1C99-4C31-AAA6-6EEC540FEA86}" type="datetimeFigureOut">
               <a:rPr lang="en-US" smtClean="0"/>
-              <a:t>2/19/2023</a:t>
+              <a:t>5/12/2023</a:t>
             </a:fld>
             <a:endParaRPr lang="en-US"/>
           </a:p>
@@ -2568,7 +2568,7 @@
           <a:p>
             <a:fld id="{9E99647D-1C99-4C31-AAA6-6EEC540FEA86}" type="datetimeFigureOut">
               <a:rPr lang="en-US" smtClean="0"/>
-              <a:t>2/19/2023</a:t>
+              <a:t>5/12/2023</a:t>
             </a:fld>
             <a:endParaRPr lang="en-US"/>
           </a:p>
@@ -2988,14 +2988,14 @@
           <p:nvPr>
             <p:extLst>
               <p:ext uri="{D42A27DB-BD31-4B8C-83A1-F6EECF244321}">
-                <p14:modId xmlns:p14="http://schemas.microsoft.com/office/powerpoint/2010/main" val="3660137579"/>
+                <p14:modId xmlns:p14="http://schemas.microsoft.com/office/powerpoint/2010/main" val="1682368743"/>
               </p:ext>
             </p:extLst>
           </p:nvPr>
         </p:nvGraphicFramePr>
         <p:xfrm>
-          <a:off x="0" y="143434"/>
-          <a:ext cx="9144004" cy="6615950"/>
+          <a:off x="0" y="367552"/>
+          <a:ext cx="9144004" cy="6472520"/>
         </p:xfrm>
         <a:graphic>
           <a:graphicData uri="http://schemas.openxmlformats.org/drawingml/2006/table">
@@ -3087,7 +3087,7 @@
                   </a:extLst>
                 </a:gridCol>
               </a:tblGrid>
-              <a:tr h="200376">
+              <a:tr h="196032">
                 <a:tc gridSpan="12">
                   <a:txBody>
                     <a:bodyPr/>
@@ -3270,7 +3270,7 @@
                   </a:ext>
                 </a:extLst>
               </a:tr>
-              <a:tr h="200376">
+              <a:tr h="196032">
                 <a:tc>
                   <a:txBody>
                     <a:bodyPr/>
@@ -3603,7 +3603,7 @@
                   </a:ext>
                 </a:extLst>
               </a:tr>
-              <a:tr h="202147">
+              <a:tr h="197764">
                 <a:tc>
                   <a:txBody>
                     <a:bodyPr/>
@@ -4231,7 +4231,7 @@
                   </a:ext>
                 </a:extLst>
               </a:tr>
-              <a:tr h="200376">
+              <a:tr h="196032">
                 <a:tc>
                   <a:txBody>
                     <a:bodyPr/>
@@ -4812,7 +4812,7 @@
                   </a:ext>
                 </a:extLst>
               </a:tr>
-              <a:tr h="200376">
+              <a:tr h="196032">
                 <a:tc>
                   <a:txBody>
                     <a:bodyPr/>
@@ -5503,7 +5503,7 @@
                   </a:ext>
                 </a:extLst>
               </a:tr>
-              <a:tr h="200376">
+              <a:tr h="196032">
                 <a:tc>
                   <a:txBody>
                     <a:bodyPr/>
@@ -5704,7 +5704,7 @@
                           <a:spcPct val="100000"/>
                         </a:lnSpc>
                       </a:pPr>
-                      <a:endParaRPr lang="en-US" sz="800">
+                      <a:endParaRPr lang="en-US" sz="800" dirty="0">
                         <a:effectLst/>
                         <a:latin typeface="Calibri" panose="020F0502020204030204" pitchFamily="34" charset="0"/>
                         <a:cs typeface="Times New Roman" panose="02020603050405020304" pitchFamily="18" charset="0"/>
@@ -5966,7 +5966,7 @@
                   </a:ext>
                 </a:extLst>
               </a:tr>
-              <a:tr h="200376">
+              <a:tr h="196032">
                 <a:tc>
                   <a:txBody>
                     <a:bodyPr/>
@@ -6547,7 +6547,7 @@
                   </a:ext>
                 </a:extLst>
               </a:tr>
-              <a:tr h="200376">
+              <a:tr h="196032">
                 <a:tc>
                   <a:txBody>
                     <a:bodyPr/>
@@ -7128,7 +7128,7 @@
                   </a:ext>
                 </a:extLst>
               </a:tr>
-              <a:tr h="200376">
+              <a:tr h="196032">
                 <a:tc>
                   <a:txBody>
                     <a:bodyPr/>
@@ -7709,7 +7709,7 @@
                   </a:ext>
                 </a:extLst>
               </a:tr>
-              <a:tr h="200376">
+              <a:tr h="196032">
                 <a:tc>
                   <a:txBody>
                     <a:bodyPr/>
@@ -8290,7 +8290,7 @@
                   </a:ext>
                 </a:extLst>
               </a:tr>
-              <a:tr h="200376">
+              <a:tr h="196032">
                 <a:tc>
                   <a:txBody>
                     <a:bodyPr/>
@@ -8981,7 +8981,7 @@
                   </a:ext>
                 </a:extLst>
               </a:tr>
-              <a:tr h="200376">
+              <a:tr h="196032">
                 <a:tc>
                   <a:txBody>
                     <a:bodyPr/>
@@ -9444,7 +9444,7 @@
                   </a:ext>
                 </a:extLst>
               </a:tr>
-              <a:tr h="200376">
+              <a:tr h="196032">
                 <a:tc>
                   <a:txBody>
                     <a:bodyPr/>
@@ -10025,7 +10025,7 @@
                   </a:ext>
                 </a:extLst>
               </a:tr>
-              <a:tr h="200376">
+              <a:tr h="196032">
                 <a:tc>
                   <a:txBody>
                     <a:bodyPr/>
@@ -10606,7 +10606,7 @@
                   </a:ext>
                 </a:extLst>
               </a:tr>
-              <a:tr h="200376">
+              <a:tr h="196032">
                 <a:tc>
                   <a:txBody>
                     <a:bodyPr/>
@@ -11187,7 +11187,7 @@
                   </a:ext>
                 </a:extLst>
               </a:tr>
-              <a:tr h="200376">
+              <a:tr h="196032">
                 <a:tc>
                   <a:txBody>
                     <a:bodyPr/>
@@ -11768,7 +11768,7 @@
                   </a:ext>
                 </a:extLst>
               </a:tr>
-              <a:tr h="200376">
+              <a:tr h="196032">
                 <a:tc>
                   <a:txBody>
                     <a:bodyPr/>
@@ -12349,7 +12349,7 @@
                   </a:ext>
                 </a:extLst>
               </a:tr>
-              <a:tr h="200376">
+              <a:tr h="196032">
                 <a:tc>
                   <a:txBody>
                     <a:bodyPr/>
@@ -12930,7 +12930,7 @@
                   </a:ext>
                 </a:extLst>
               </a:tr>
-              <a:tr h="200376">
+              <a:tr h="196032">
                 <a:tc>
                   <a:txBody>
                     <a:bodyPr/>
@@ -13511,7 +13511,7 @@
                   </a:ext>
                 </a:extLst>
               </a:tr>
-              <a:tr h="200376">
+              <a:tr h="196032">
                 <a:tc>
                   <a:txBody>
                     <a:bodyPr/>
@@ -14092,7 +14092,7 @@
                   </a:ext>
                 </a:extLst>
               </a:tr>
-              <a:tr h="200376">
+              <a:tr h="196032">
                 <a:tc>
                   <a:txBody>
                     <a:bodyPr/>
@@ -14673,7 +14673,7 @@
                   </a:ext>
                 </a:extLst>
               </a:tr>
-              <a:tr h="200376">
+              <a:tr h="196032">
                 <a:tc>
                   <a:txBody>
                     <a:bodyPr/>
@@ -15254,7 +15254,7 @@
                   </a:ext>
                 </a:extLst>
               </a:tr>
-              <a:tr h="202147">
+              <a:tr h="197764">
                 <a:tc>
                   <a:txBody>
                     <a:bodyPr/>
@@ -15835,7 +15835,7 @@
                   </a:ext>
                 </a:extLst>
               </a:tr>
-              <a:tr h="200376">
+              <a:tr h="196032">
                 <a:tc>
                   <a:txBody>
                     <a:bodyPr/>
@@ -16416,7 +16416,7 @@
                   </a:ext>
                 </a:extLst>
               </a:tr>
-              <a:tr h="200376">
+              <a:tr h="196032">
                 <a:tc>
                   <a:txBody>
                     <a:bodyPr/>
@@ -16997,7 +16997,7 @@
                   </a:ext>
                 </a:extLst>
               </a:tr>
-              <a:tr h="200376">
+              <a:tr h="196032">
                 <a:tc>
                   <a:txBody>
                     <a:bodyPr/>
@@ -17578,7 +17578,7 @@
                   </a:ext>
                 </a:extLst>
               </a:tr>
-              <a:tr h="200376">
+              <a:tr h="196032">
                 <a:tc>
                   <a:txBody>
                     <a:bodyPr/>
@@ -18159,7 +18159,7 @@
                   </a:ext>
                 </a:extLst>
               </a:tr>
-              <a:tr h="200376">
+              <a:tr h="196032">
                 <a:tc>
                   <a:txBody>
                     <a:bodyPr/>
@@ -18740,7 +18740,7 @@
                   </a:ext>
                 </a:extLst>
               </a:tr>
-              <a:tr h="200376">
+              <a:tr h="196032">
                 <a:tc>
                   <a:txBody>
                     <a:bodyPr/>
@@ -19321,7 +19321,7 @@
                   </a:ext>
                 </a:extLst>
               </a:tr>
-              <a:tr h="200376">
+              <a:tr h="196032">
                 <a:tc>
                   <a:txBody>
                     <a:bodyPr/>
@@ -19902,7 +19902,7 @@
                   </a:ext>
                 </a:extLst>
               </a:tr>
-              <a:tr h="200376">
+              <a:tr h="196032">
                 <a:tc>
                   <a:txBody>
                     <a:bodyPr/>
@@ -20483,7 +20483,7 @@
                   </a:ext>
                 </a:extLst>
               </a:tr>
-              <a:tr h="200376">
+              <a:tr h="196032">
                 <a:tc>
                   <a:txBody>
                     <a:bodyPr/>
@@ -21064,7 +21064,7 @@
                   </a:ext>
                 </a:extLst>
               </a:tr>
-              <a:tr h="200376">
+              <a:tr h="196032">
                 <a:tc>
                   <a:txBody>
                     <a:bodyPr/>
@@ -21759,6 +21759,45 @@
           </a:graphicData>
         </a:graphic>
       </p:graphicFrame>
+      <p:sp>
+        <p:nvSpPr>
+          <p:cNvPr id="2" name="TextBox 1">
+            <a:extLst>
+              <a:ext uri="{FF2B5EF4-FFF2-40B4-BE49-F238E27FC236}">
+                <a16:creationId xmlns:a16="http://schemas.microsoft.com/office/drawing/2014/main" id="{5948069A-18F9-3417-A4EB-C22F053F009F}"/>
+              </a:ext>
+            </a:extLst>
+          </p:cNvPr>
+          <p:cNvSpPr txBox="1"/>
+          <p:nvPr/>
+        </p:nvSpPr>
+        <p:spPr>
+          <a:xfrm>
+            <a:off x="8965" y="48810"/>
+            <a:ext cx="9144000" cy="261610"/>
+          </a:xfrm>
+          <a:prstGeom prst="rect">
+            <a:avLst/>
+          </a:prstGeom>
+          <a:noFill/>
+        </p:spPr>
+        <p:txBody>
+          <a:bodyPr wrap="square">
+            <a:spAutoFit/>
+          </a:bodyPr>
+          <a:lstStyle/>
+          <a:p>
+            <a:pPr algn="ctr"/>
+            <a:r>
+              <a:rPr lang="en-US" sz="1100" dirty="0">
+                <a:latin typeface="Times New Roman" panose="02020603050405020304" pitchFamily="18" charset="0"/>
+                <a:cs typeface="Times New Roman" panose="02020603050405020304" pitchFamily="18" charset="0"/>
+              </a:rPr>
+              <a:t>Table S1.8 (Continued)</a:t>
+            </a:r>
+          </a:p>
+        </p:txBody>
+      </p:sp>
     </p:spTree>
     <p:extLst>
       <p:ext uri="{BB962C8B-B14F-4D97-AF65-F5344CB8AC3E}">
